--- a/ppt 16-9/0759.向主倾诉.pptx
+++ b/ppt 16-9/0759.向主倾诉.pptx
@@ -5,7 +5,7 @@
     <p:sldMasterId id="2147483648" r:id="rId1"/>
   </p:sldMasterIdLst>
   <p:sldIdLst>
-    <p:sldId id="2009" r:id="rId2"/>
+    <p:sldId id="2010" r:id="rId2"/>
   </p:sldIdLst>
   <p:sldSz cx="12192000" cy="6858000"/>
   <p:notesSz cx="6858000" cy="9144000"/>
@@ -129,7 +129,7 @@
           <p:cNvPr id="2" name="标题 1">
             <a:extLst>
               <a:ext uri="{FF2B5EF4-FFF2-40B4-BE49-F238E27FC236}">
-                <a16:creationId xmlns:a16="http://schemas.microsoft.com/office/drawing/2014/main" id="{B30919DF-9662-CC5F-6997-3BFA9A13C58B}"/>
+                <a16:creationId xmlns:a16="http://schemas.microsoft.com/office/drawing/2014/main" id="{AA16D9BC-5AB1-B198-29DB-C0C05DC48C0B}"/>
               </a:ext>
             </a:extLst>
           </p:cNvPr>
@@ -166,7 +166,7 @@
           <p:cNvPr id="3" name="副标题 2">
             <a:extLst>
               <a:ext uri="{FF2B5EF4-FFF2-40B4-BE49-F238E27FC236}">
-                <a16:creationId xmlns:a16="http://schemas.microsoft.com/office/drawing/2014/main" id="{C99305E0-A2D9-B77F-1AA3-E1C19110875E}"/>
+                <a16:creationId xmlns:a16="http://schemas.microsoft.com/office/drawing/2014/main" id="{C90039CF-C70B-15BF-AE0F-57977FCEA3DE}"/>
               </a:ext>
             </a:extLst>
           </p:cNvPr>
@@ -236,7 +236,7 @@
           <p:cNvPr id="4" name="日期占位符 3">
             <a:extLst>
               <a:ext uri="{FF2B5EF4-FFF2-40B4-BE49-F238E27FC236}">
-                <a16:creationId xmlns:a16="http://schemas.microsoft.com/office/drawing/2014/main" id="{A25364A8-0852-2E08-CDED-921C521CA24C}"/>
+                <a16:creationId xmlns:a16="http://schemas.microsoft.com/office/drawing/2014/main" id="{C5A483A3-04CD-5BC6-7AC8-29B97421DB83}"/>
               </a:ext>
             </a:extLst>
           </p:cNvPr>
@@ -252,7 +252,7 @@
           <a:bodyPr/>
           <a:lstStyle/>
           <a:p>
-            <a:fld id="{FFBEC3C5-4A66-493F-ADB8-62C8FAE88C94}" type="datetimeFigureOut">
+            <a:fld id="{5A2EE7AC-3AFE-4BC2-9A1E-F056A2365EB4}" type="datetimeFigureOut">
               <a:rPr lang="zh-CN" altLang="en-US" smtClean="0"/>
               <a:t>2024/3/10</a:t>
             </a:fld>
@@ -265,7 +265,7 @@
           <p:cNvPr id="5" name="页脚占位符 4">
             <a:extLst>
               <a:ext uri="{FF2B5EF4-FFF2-40B4-BE49-F238E27FC236}">
-                <a16:creationId xmlns:a16="http://schemas.microsoft.com/office/drawing/2014/main" id="{E0B2EE07-5E03-1AEE-0551-3A3DC4011BB5}"/>
+                <a16:creationId xmlns:a16="http://schemas.microsoft.com/office/drawing/2014/main" id="{8617D984-926A-79D0-D84A-709E8948B94A}"/>
               </a:ext>
             </a:extLst>
           </p:cNvPr>
@@ -290,7 +290,7 @@
           <p:cNvPr id="6" name="灯片编号占位符 5">
             <a:extLst>
               <a:ext uri="{FF2B5EF4-FFF2-40B4-BE49-F238E27FC236}">
-                <a16:creationId xmlns:a16="http://schemas.microsoft.com/office/drawing/2014/main" id="{55BD032B-EE44-C08A-9CEF-2BEE35B5E7E8}"/>
+                <a16:creationId xmlns:a16="http://schemas.microsoft.com/office/drawing/2014/main" id="{0DF6DB64-E59B-A7A0-A955-BA1951384F87}"/>
               </a:ext>
             </a:extLst>
           </p:cNvPr>
@@ -306,7 +306,7 @@
           <a:bodyPr/>
           <a:lstStyle/>
           <a:p>
-            <a:fld id="{A5C60D80-8B4D-4070-8517-3D78E0219B5D}" type="slidenum">
+            <a:fld id="{6AB0C762-F05A-4E0D-9877-F906052E961D}" type="slidenum">
               <a:rPr lang="zh-CN" altLang="en-US" smtClean="0"/>
               <a:t>‹#›</a:t>
             </a:fld>
@@ -317,7 +317,7 @@
     </p:spTree>
     <p:extLst>
       <p:ext uri="{BB962C8B-B14F-4D97-AF65-F5344CB8AC3E}">
-        <p14:creationId xmlns:p14="http://schemas.microsoft.com/office/powerpoint/2010/main" val="291910290"/>
+        <p14:creationId xmlns:p14="http://schemas.microsoft.com/office/powerpoint/2010/main" val="3536041475"/>
       </p:ext>
     </p:extLst>
   </p:cSld>
@@ -349,7 +349,7 @@
           <p:cNvPr id="2" name="标题 1">
             <a:extLst>
               <a:ext uri="{FF2B5EF4-FFF2-40B4-BE49-F238E27FC236}">
-                <a16:creationId xmlns:a16="http://schemas.microsoft.com/office/drawing/2014/main" id="{362E4C44-AECE-2649-9769-4690D2E2E40A}"/>
+                <a16:creationId xmlns:a16="http://schemas.microsoft.com/office/drawing/2014/main" id="{DFF27A4B-DFBA-C1C3-672F-125B11277274}"/>
               </a:ext>
             </a:extLst>
           </p:cNvPr>
@@ -377,7 +377,7 @@
           <p:cNvPr id="3" name="竖排文字占位符 2">
             <a:extLst>
               <a:ext uri="{FF2B5EF4-FFF2-40B4-BE49-F238E27FC236}">
-                <a16:creationId xmlns:a16="http://schemas.microsoft.com/office/drawing/2014/main" id="{7E88FA19-398A-08A5-2FDF-1C17FA0D471F}"/>
+                <a16:creationId xmlns:a16="http://schemas.microsoft.com/office/drawing/2014/main" id="{636D95D4-27F5-29E6-8B2E-40D539D8D84D}"/>
               </a:ext>
             </a:extLst>
           </p:cNvPr>
@@ -434,7 +434,7 @@
           <p:cNvPr id="4" name="日期占位符 3">
             <a:extLst>
               <a:ext uri="{FF2B5EF4-FFF2-40B4-BE49-F238E27FC236}">
-                <a16:creationId xmlns:a16="http://schemas.microsoft.com/office/drawing/2014/main" id="{570E6E29-C604-FBD9-4EBB-47A2636409BE}"/>
+                <a16:creationId xmlns:a16="http://schemas.microsoft.com/office/drawing/2014/main" id="{18396569-9E51-32C7-3A08-5932830769E5}"/>
               </a:ext>
             </a:extLst>
           </p:cNvPr>
@@ -450,7 +450,7 @@
           <a:bodyPr/>
           <a:lstStyle/>
           <a:p>
-            <a:fld id="{FFBEC3C5-4A66-493F-ADB8-62C8FAE88C94}" type="datetimeFigureOut">
+            <a:fld id="{5A2EE7AC-3AFE-4BC2-9A1E-F056A2365EB4}" type="datetimeFigureOut">
               <a:rPr lang="zh-CN" altLang="en-US" smtClean="0"/>
               <a:t>2024/3/10</a:t>
             </a:fld>
@@ -463,7 +463,7 @@
           <p:cNvPr id="5" name="页脚占位符 4">
             <a:extLst>
               <a:ext uri="{FF2B5EF4-FFF2-40B4-BE49-F238E27FC236}">
-                <a16:creationId xmlns:a16="http://schemas.microsoft.com/office/drawing/2014/main" id="{EA4134C5-490A-CB51-7590-40BCD37180F5}"/>
+                <a16:creationId xmlns:a16="http://schemas.microsoft.com/office/drawing/2014/main" id="{ABA69C43-CA5D-AE74-6A24-94882742EB15}"/>
               </a:ext>
             </a:extLst>
           </p:cNvPr>
@@ -488,7 +488,7 @@
           <p:cNvPr id="6" name="灯片编号占位符 5">
             <a:extLst>
               <a:ext uri="{FF2B5EF4-FFF2-40B4-BE49-F238E27FC236}">
-                <a16:creationId xmlns:a16="http://schemas.microsoft.com/office/drawing/2014/main" id="{98DE7379-A72F-19F9-6050-B5DE391AA390}"/>
+                <a16:creationId xmlns:a16="http://schemas.microsoft.com/office/drawing/2014/main" id="{674942E6-EFB1-1F7C-00D1-3AF780A7CF71}"/>
               </a:ext>
             </a:extLst>
           </p:cNvPr>
@@ -504,7 +504,7 @@
           <a:bodyPr/>
           <a:lstStyle/>
           <a:p>
-            <a:fld id="{A5C60D80-8B4D-4070-8517-3D78E0219B5D}" type="slidenum">
+            <a:fld id="{6AB0C762-F05A-4E0D-9877-F906052E961D}" type="slidenum">
               <a:rPr lang="zh-CN" altLang="en-US" smtClean="0"/>
               <a:t>‹#›</a:t>
             </a:fld>
@@ -515,7 +515,7 @@
     </p:spTree>
     <p:extLst>
       <p:ext uri="{BB962C8B-B14F-4D97-AF65-F5344CB8AC3E}">
-        <p14:creationId xmlns:p14="http://schemas.microsoft.com/office/powerpoint/2010/main" val="1201882547"/>
+        <p14:creationId xmlns:p14="http://schemas.microsoft.com/office/powerpoint/2010/main" val="2454333847"/>
       </p:ext>
     </p:extLst>
   </p:cSld>
@@ -547,7 +547,7 @@
           <p:cNvPr id="2" name="竖排标题 1">
             <a:extLst>
               <a:ext uri="{FF2B5EF4-FFF2-40B4-BE49-F238E27FC236}">
-                <a16:creationId xmlns:a16="http://schemas.microsoft.com/office/drawing/2014/main" id="{0577393C-6439-C5C8-0BBA-6701FC850CD0}"/>
+                <a16:creationId xmlns:a16="http://schemas.microsoft.com/office/drawing/2014/main" id="{FC7D7459-5FCC-3DA1-D57B-4260A1BE1A38}"/>
               </a:ext>
             </a:extLst>
           </p:cNvPr>
@@ -580,7 +580,7 @@
           <p:cNvPr id="3" name="竖排文字占位符 2">
             <a:extLst>
               <a:ext uri="{FF2B5EF4-FFF2-40B4-BE49-F238E27FC236}">
-                <a16:creationId xmlns:a16="http://schemas.microsoft.com/office/drawing/2014/main" id="{C283504F-01F4-343B-0768-583F7E9F935B}"/>
+                <a16:creationId xmlns:a16="http://schemas.microsoft.com/office/drawing/2014/main" id="{BE55749E-B31D-40DB-6457-06CBDDAE7F3F}"/>
               </a:ext>
             </a:extLst>
           </p:cNvPr>
@@ -642,7 +642,7 @@
           <p:cNvPr id="4" name="日期占位符 3">
             <a:extLst>
               <a:ext uri="{FF2B5EF4-FFF2-40B4-BE49-F238E27FC236}">
-                <a16:creationId xmlns:a16="http://schemas.microsoft.com/office/drawing/2014/main" id="{73B64A45-F05D-C604-D1AE-AD4ACC918082}"/>
+                <a16:creationId xmlns:a16="http://schemas.microsoft.com/office/drawing/2014/main" id="{AB9E70E2-93EA-C1C6-59AA-C66AC9C77EA2}"/>
               </a:ext>
             </a:extLst>
           </p:cNvPr>
@@ -658,7 +658,7 @@
           <a:bodyPr/>
           <a:lstStyle/>
           <a:p>
-            <a:fld id="{FFBEC3C5-4A66-493F-ADB8-62C8FAE88C94}" type="datetimeFigureOut">
+            <a:fld id="{5A2EE7AC-3AFE-4BC2-9A1E-F056A2365EB4}" type="datetimeFigureOut">
               <a:rPr lang="zh-CN" altLang="en-US" smtClean="0"/>
               <a:t>2024/3/10</a:t>
             </a:fld>
@@ -671,7 +671,7 @@
           <p:cNvPr id="5" name="页脚占位符 4">
             <a:extLst>
               <a:ext uri="{FF2B5EF4-FFF2-40B4-BE49-F238E27FC236}">
-                <a16:creationId xmlns:a16="http://schemas.microsoft.com/office/drawing/2014/main" id="{2DE56306-94A6-33DB-1DA5-BC5264437ECD}"/>
+                <a16:creationId xmlns:a16="http://schemas.microsoft.com/office/drawing/2014/main" id="{F4F69D3F-C193-1B7E-4B29-D32EDE681BEE}"/>
               </a:ext>
             </a:extLst>
           </p:cNvPr>
@@ -696,7 +696,7 @@
           <p:cNvPr id="6" name="灯片编号占位符 5">
             <a:extLst>
               <a:ext uri="{FF2B5EF4-FFF2-40B4-BE49-F238E27FC236}">
-                <a16:creationId xmlns:a16="http://schemas.microsoft.com/office/drawing/2014/main" id="{53558D9D-6BBC-E6C9-0886-C2A218B1E9F9}"/>
+                <a16:creationId xmlns:a16="http://schemas.microsoft.com/office/drawing/2014/main" id="{F8365139-4442-1611-BC41-B7924B05C0FD}"/>
               </a:ext>
             </a:extLst>
           </p:cNvPr>
@@ -712,7 +712,7 @@
           <a:bodyPr/>
           <a:lstStyle/>
           <a:p>
-            <a:fld id="{A5C60D80-8B4D-4070-8517-3D78E0219B5D}" type="slidenum">
+            <a:fld id="{6AB0C762-F05A-4E0D-9877-F906052E961D}" type="slidenum">
               <a:rPr lang="zh-CN" altLang="en-US" smtClean="0"/>
               <a:t>‹#›</a:t>
             </a:fld>
@@ -723,7 +723,7 @@
     </p:spTree>
     <p:extLst>
       <p:ext uri="{BB962C8B-B14F-4D97-AF65-F5344CB8AC3E}">
-        <p14:creationId xmlns:p14="http://schemas.microsoft.com/office/powerpoint/2010/main" val="114665041"/>
+        <p14:creationId xmlns:p14="http://schemas.microsoft.com/office/powerpoint/2010/main" val="2890776947"/>
       </p:ext>
     </p:extLst>
   </p:cSld>
@@ -755,7 +755,7 @@
           <p:cNvPr id="2" name="标题 1">
             <a:extLst>
               <a:ext uri="{FF2B5EF4-FFF2-40B4-BE49-F238E27FC236}">
-                <a16:creationId xmlns:a16="http://schemas.microsoft.com/office/drawing/2014/main" id="{6244FCEA-B941-FFD1-35A6-78DA4C671592}"/>
+                <a16:creationId xmlns:a16="http://schemas.microsoft.com/office/drawing/2014/main" id="{1DAC7EBD-09E7-AAC6-99C7-0F0BA1581F0B}"/>
               </a:ext>
             </a:extLst>
           </p:cNvPr>
@@ -783,7 +783,7 @@
           <p:cNvPr id="3" name="内容占位符 2">
             <a:extLst>
               <a:ext uri="{FF2B5EF4-FFF2-40B4-BE49-F238E27FC236}">
-                <a16:creationId xmlns:a16="http://schemas.microsoft.com/office/drawing/2014/main" id="{48065529-B3C2-DDA9-FBF9-3B2C31551010}"/>
+                <a16:creationId xmlns:a16="http://schemas.microsoft.com/office/drawing/2014/main" id="{236CCD5B-E9EA-327F-0288-95D565AE4B34}"/>
               </a:ext>
             </a:extLst>
           </p:cNvPr>
@@ -840,7 +840,7 @@
           <p:cNvPr id="4" name="日期占位符 3">
             <a:extLst>
               <a:ext uri="{FF2B5EF4-FFF2-40B4-BE49-F238E27FC236}">
-                <a16:creationId xmlns:a16="http://schemas.microsoft.com/office/drawing/2014/main" id="{020CD38A-F26C-0F4B-8528-9D7363C12F2B}"/>
+                <a16:creationId xmlns:a16="http://schemas.microsoft.com/office/drawing/2014/main" id="{AA02418C-468A-5E16-5CE0-E7752F11DD36}"/>
               </a:ext>
             </a:extLst>
           </p:cNvPr>
@@ -856,7 +856,7 @@
           <a:bodyPr/>
           <a:lstStyle/>
           <a:p>
-            <a:fld id="{FFBEC3C5-4A66-493F-ADB8-62C8FAE88C94}" type="datetimeFigureOut">
+            <a:fld id="{5A2EE7AC-3AFE-4BC2-9A1E-F056A2365EB4}" type="datetimeFigureOut">
               <a:rPr lang="zh-CN" altLang="en-US" smtClean="0"/>
               <a:t>2024/3/10</a:t>
             </a:fld>
@@ -869,7 +869,7 @@
           <p:cNvPr id="5" name="页脚占位符 4">
             <a:extLst>
               <a:ext uri="{FF2B5EF4-FFF2-40B4-BE49-F238E27FC236}">
-                <a16:creationId xmlns:a16="http://schemas.microsoft.com/office/drawing/2014/main" id="{369B708C-57C2-B3F0-1D17-15C2AA09F595}"/>
+                <a16:creationId xmlns:a16="http://schemas.microsoft.com/office/drawing/2014/main" id="{A1B89DBD-E822-0A37-2B28-9ED2E11ED111}"/>
               </a:ext>
             </a:extLst>
           </p:cNvPr>
@@ -894,7 +894,7 @@
           <p:cNvPr id="6" name="灯片编号占位符 5">
             <a:extLst>
               <a:ext uri="{FF2B5EF4-FFF2-40B4-BE49-F238E27FC236}">
-                <a16:creationId xmlns:a16="http://schemas.microsoft.com/office/drawing/2014/main" id="{94E12809-16E6-9811-5831-C85F1FEB1D2F}"/>
+                <a16:creationId xmlns:a16="http://schemas.microsoft.com/office/drawing/2014/main" id="{45C4D1AC-46B7-9C63-0B1C-54295C5F46CB}"/>
               </a:ext>
             </a:extLst>
           </p:cNvPr>
@@ -910,7 +910,7 @@
           <a:bodyPr/>
           <a:lstStyle/>
           <a:p>
-            <a:fld id="{A5C60D80-8B4D-4070-8517-3D78E0219B5D}" type="slidenum">
+            <a:fld id="{6AB0C762-F05A-4E0D-9877-F906052E961D}" type="slidenum">
               <a:rPr lang="zh-CN" altLang="en-US" smtClean="0"/>
               <a:t>‹#›</a:t>
             </a:fld>
@@ -921,7 +921,7 @@
     </p:spTree>
     <p:extLst>
       <p:ext uri="{BB962C8B-B14F-4D97-AF65-F5344CB8AC3E}">
-        <p14:creationId xmlns:p14="http://schemas.microsoft.com/office/powerpoint/2010/main" val="2218482838"/>
+        <p14:creationId xmlns:p14="http://schemas.microsoft.com/office/powerpoint/2010/main" val="4019694499"/>
       </p:ext>
     </p:extLst>
   </p:cSld>
@@ -953,7 +953,7 @@
           <p:cNvPr id="2" name="标题 1">
             <a:extLst>
               <a:ext uri="{FF2B5EF4-FFF2-40B4-BE49-F238E27FC236}">
-                <a16:creationId xmlns:a16="http://schemas.microsoft.com/office/drawing/2014/main" id="{81B43153-8B85-623B-1A26-E521A5AFE517}"/>
+                <a16:creationId xmlns:a16="http://schemas.microsoft.com/office/drawing/2014/main" id="{B8D96A12-C997-CADE-0813-E44A65F09D11}"/>
               </a:ext>
             </a:extLst>
           </p:cNvPr>
@@ -990,7 +990,7 @@
           <p:cNvPr id="3" name="文本占位符 2">
             <a:extLst>
               <a:ext uri="{FF2B5EF4-FFF2-40B4-BE49-F238E27FC236}">
-                <a16:creationId xmlns:a16="http://schemas.microsoft.com/office/drawing/2014/main" id="{8ED04F8E-DDBA-CCE6-E837-3533F8281B63}"/>
+                <a16:creationId xmlns:a16="http://schemas.microsoft.com/office/drawing/2014/main" id="{E83A3EA3-E765-A96F-D962-0DA921451A02}"/>
               </a:ext>
             </a:extLst>
           </p:cNvPr>
@@ -1115,7 +1115,7 @@
           <p:cNvPr id="4" name="日期占位符 3">
             <a:extLst>
               <a:ext uri="{FF2B5EF4-FFF2-40B4-BE49-F238E27FC236}">
-                <a16:creationId xmlns:a16="http://schemas.microsoft.com/office/drawing/2014/main" id="{5E64DF39-F401-AAFB-A5F0-9D9ACEDCD4F2}"/>
+                <a16:creationId xmlns:a16="http://schemas.microsoft.com/office/drawing/2014/main" id="{EBA29430-E638-2CFC-F6AE-C4D5964DBE39}"/>
               </a:ext>
             </a:extLst>
           </p:cNvPr>
@@ -1131,7 +1131,7 @@
           <a:bodyPr/>
           <a:lstStyle/>
           <a:p>
-            <a:fld id="{FFBEC3C5-4A66-493F-ADB8-62C8FAE88C94}" type="datetimeFigureOut">
+            <a:fld id="{5A2EE7AC-3AFE-4BC2-9A1E-F056A2365EB4}" type="datetimeFigureOut">
               <a:rPr lang="zh-CN" altLang="en-US" smtClean="0"/>
               <a:t>2024/3/10</a:t>
             </a:fld>
@@ -1144,7 +1144,7 @@
           <p:cNvPr id="5" name="页脚占位符 4">
             <a:extLst>
               <a:ext uri="{FF2B5EF4-FFF2-40B4-BE49-F238E27FC236}">
-                <a16:creationId xmlns:a16="http://schemas.microsoft.com/office/drawing/2014/main" id="{BA098D4B-D391-DAE7-EA6B-0542B97A5C9F}"/>
+                <a16:creationId xmlns:a16="http://schemas.microsoft.com/office/drawing/2014/main" id="{041BFF35-58A0-0C88-06A6-3EABAA733C5F}"/>
               </a:ext>
             </a:extLst>
           </p:cNvPr>
@@ -1169,7 +1169,7 @@
           <p:cNvPr id="6" name="灯片编号占位符 5">
             <a:extLst>
               <a:ext uri="{FF2B5EF4-FFF2-40B4-BE49-F238E27FC236}">
-                <a16:creationId xmlns:a16="http://schemas.microsoft.com/office/drawing/2014/main" id="{297627F5-5049-FE4A-11F4-43AF90B6B166}"/>
+                <a16:creationId xmlns:a16="http://schemas.microsoft.com/office/drawing/2014/main" id="{46422A50-F1F5-DA49-AECD-E69C3FF11CA9}"/>
               </a:ext>
             </a:extLst>
           </p:cNvPr>
@@ -1185,7 +1185,7 @@
           <a:bodyPr/>
           <a:lstStyle/>
           <a:p>
-            <a:fld id="{A5C60D80-8B4D-4070-8517-3D78E0219B5D}" type="slidenum">
+            <a:fld id="{6AB0C762-F05A-4E0D-9877-F906052E961D}" type="slidenum">
               <a:rPr lang="zh-CN" altLang="en-US" smtClean="0"/>
               <a:t>‹#›</a:t>
             </a:fld>
@@ -1196,7 +1196,7 @@
     </p:spTree>
     <p:extLst>
       <p:ext uri="{BB962C8B-B14F-4D97-AF65-F5344CB8AC3E}">
-        <p14:creationId xmlns:p14="http://schemas.microsoft.com/office/powerpoint/2010/main" val="3224538019"/>
+        <p14:creationId xmlns:p14="http://schemas.microsoft.com/office/powerpoint/2010/main" val="850538481"/>
       </p:ext>
     </p:extLst>
   </p:cSld>
@@ -1228,7 +1228,7 @@
           <p:cNvPr id="2" name="标题 1">
             <a:extLst>
               <a:ext uri="{FF2B5EF4-FFF2-40B4-BE49-F238E27FC236}">
-                <a16:creationId xmlns:a16="http://schemas.microsoft.com/office/drawing/2014/main" id="{8C229017-2428-3F41-201E-B92066217BF5}"/>
+                <a16:creationId xmlns:a16="http://schemas.microsoft.com/office/drawing/2014/main" id="{428D79E0-63C0-E2DF-4A9B-5016C49B3FCE}"/>
               </a:ext>
             </a:extLst>
           </p:cNvPr>
@@ -1256,7 +1256,7 @@
           <p:cNvPr id="3" name="内容占位符 2">
             <a:extLst>
               <a:ext uri="{FF2B5EF4-FFF2-40B4-BE49-F238E27FC236}">
-                <a16:creationId xmlns:a16="http://schemas.microsoft.com/office/drawing/2014/main" id="{721EB1EC-1C2D-30A5-A11B-71FD119190B5}"/>
+                <a16:creationId xmlns:a16="http://schemas.microsoft.com/office/drawing/2014/main" id="{26967E67-7BCE-C278-B563-D0F68D6BB37D}"/>
               </a:ext>
             </a:extLst>
           </p:cNvPr>
@@ -1318,7 +1318,7 @@
           <p:cNvPr id="4" name="内容占位符 3">
             <a:extLst>
               <a:ext uri="{FF2B5EF4-FFF2-40B4-BE49-F238E27FC236}">
-                <a16:creationId xmlns:a16="http://schemas.microsoft.com/office/drawing/2014/main" id="{99BE71C9-55CE-8E63-CBD6-CF3EF9275CD5}"/>
+                <a16:creationId xmlns:a16="http://schemas.microsoft.com/office/drawing/2014/main" id="{265CF9D2-F5F4-8770-D339-B96DB9150EA6}"/>
               </a:ext>
             </a:extLst>
           </p:cNvPr>
@@ -1380,7 +1380,7 @@
           <p:cNvPr id="5" name="日期占位符 4">
             <a:extLst>
               <a:ext uri="{FF2B5EF4-FFF2-40B4-BE49-F238E27FC236}">
-                <a16:creationId xmlns:a16="http://schemas.microsoft.com/office/drawing/2014/main" id="{A06A2EA2-11B9-1037-AECF-E0233D3445C3}"/>
+                <a16:creationId xmlns:a16="http://schemas.microsoft.com/office/drawing/2014/main" id="{85248BBD-C83B-2349-43F9-E19878A0925F}"/>
               </a:ext>
             </a:extLst>
           </p:cNvPr>
@@ -1396,7 +1396,7 @@
           <a:bodyPr/>
           <a:lstStyle/>
           <a:p>
-            <a:fld id="{FFBEC3C5-4A66-493F-ADB8-62C8FAE88C94}" type="datetimeFigureOut">
+            <a:fld id="{5A2EE7AC-3AFE-4BC2-9A1E-F056A2365EB4}" type="datetimeFigureOut">
               <a:rPr lang="zh-CN" altLang="en-US" smtClean="0"/>
               <a:t>2024/3/10</a:t>
             </a:fld>
@@ -1409,7 +1409,7 @@
           <p:cNvPr id="6" name="页脚占位符 5">
             <a:extLst>
               <a:ext uri="{FF2B5EF4-FFF2-40B4-BE49-F238E27FC236}">
-                <a16:creationId xmlns:a16="http://schemas.microsoft.com/office/drawing/2014/main" id="{43F05C50-DEB2-7E28-D62D-14A50FDBF1BC}"/>
+                <a16:creationId xmlns:a16="http://schemas.microsoft.com/office/drawing/2014/main" id="{2040C497-AA69-4228-E29F-13E016468105}"/>
               </a:ext>
             </a:extLst>
           </p:cNvPr>
@@ -1434,7 +1434,7 @@
           <p:cNvPr id="7" name="灯片编号占位符 6">
             <a:extLst>
               <a:ext uri="{FF2B5EF4-FFF2-40B4-BE49-F238E27FC236}">
-                <a16:creationId xmlns:a16="http://schemas.microsoft.com/office/drawing/2014/main" id="{6ED64E80-E892-86C9-6A63-958FB97262E0}"/>
+                <a16:creationId xmlns:a16="http://schemas.microsoft.com/office/drawing/2014/main" id="{1114A28E-225D-7534-AEEF-1EF0E20FBD2E}"/>
               </a:ext>
             </a:extLst>
           </p:cNvPr>
@@ -1450,7 +1450,7 @@
           <a:bodyPr/>
           <a:lstStyle/>
           <a:p>
-            <a:fld id="{A5C60D80-8B4D-4070-8517-3D78E0219B5D}" type="slidenum">
+            <a:fld id="{6AB0C762-F05A-4E0D-9877-F906052E961D}" type="slidenum">
               <a:rPr lang="zh-CN" altLang="en-US" smtClean="0"/>
               <a:t>‹#›</a:t>
             </a:fld>
@@ -1461,7 +1461,7 @@
     </p:spTree>
     <p:extLst>
       <p:ext uri="{BB962C8B-B14F-4D97-AF65-F5344CB8AC3E}">
-        <p14:creationId xmlns:p14="http://schemas.microsoft.com/office/powerpoint/2010/main" val="1425296981"/>
+        <p14:creationId xmlns:p14="http://schemas.microsoft.com/office/powerpoint/2010/main" val="215638661"/>
       </p:ext>
     </p:extLst>
   </p:cSld>
@@ -1493,7 +1493,7 @@
           <p:cNvPr id="2" name="标题 1">
             <a:extLst>
               <a:ext uri="{FF2B5EF4-FFF2-40B4-BE49-F238E27FC236}">
-                <a16:creationId xmlns:a16="http://schemas.microsoft.com/office/drawing/2014/main" id="{03AF4791-BAC9-B31F-5601-5984C9287C6F}"/>
+                <a16:creationId xmlns:a16="http://schemas.microsoft.com/office/drawing/2014/main" id="{9E754AE2-27DE-BB61-7B78-ED4ED222CC30}"/>
               </a:ext>
             </a:extLst>
           </p:cNvPr>
@@ -1526,7 +1526,7 @@
           <p:cNvPr id="3" name="文本占位符 2">
             <a:extLst>
               <a:ext uri="{FF2B5EF4-FFF2-40B4-BE49-F238E27FC236}">
-                <a16:creationId xmlns:a16="http://schemas.microsoft.com/office/drawing/2014/main" id="{B366C7C2-FCF2-AA47-6874-073C6E152B04}"/>
+                <a16:creationId xmlns:a16="http://schemas.microsoft.com/office/drawing/2014/main" id="{82A1AFEB-1D91-5E43-9501-B54C2E9DA5A8}"/>
               </a:ext>
             </a:extLst>
           </p:cNvPr>
@@ -1597,7 +1597,7 @@
           <p:cNvPr id="4" name="内容占位符 3">
             <a:extLst>
               <a:ext uri="{FF2B5EF4-FFF2-40B4-BE49-F238E27FC236}">
-                <a16:creationId xmlns:a16="http://schemas.microsoft.com/office/drawing/2014/main" id="{799CCE38-A918-2C8C-8763-DF5BC2CEC99C}"/>
+                <a16:creationId xmlns:a16="http://schemas.microsoft.com/office/drawing/2014/main" id="{478D79DE-AC85-F321-6286-ED0559E0D91D}"/>
               </a:ext>
             </a:extLst>
           </p:cNvPr>
@@ -1659,7 +1659,7 @@
           <p:cNvPr id="5" name="文本占位符 4">
             <a:extLst>
               <a:ext uri="{FF2B5EF4-FFF2-40B4-BE49-F238E27FC236}">
-                <a16:creationId xmlns:a16="http://schemas.microsoft.com/office/drawing/2014/main" id="{CB6BCED2-F6A4-0B99-EDD4-B25948F726C7}"/>
+                <a16:creationId xmlns:a16="http://schemas.microsoft.com/office/drawing/2014/main" id="{99BB410B-2A57-FB34-7B2D-CC3A1664C336}"/>
               </a:ext>
             </a:extLst>
           </p:cNvPr>
@@ -1730,7 +1730,7 @@
           <p:cNvPr id="6" name="内容占位符 5">
             <a:extLst>
               <a:ext uri="{FF2B5EF4-FFF2-40B4-BE49-F238E27FC236}">
-                <a16:creationId xmlns:a16="http://schemas.microsoft.com/office/drawing/2014/main" id="{18ADA90D-AC58-8183-7448-DB404934878C}"/>
+                <a16:creationId xmlns:a16="http://schemas.microsoft.com/office/drawing/2014/main" id="{E9514482-C5EA-85E5-0640-76047D5DAEEA}"/>
               </a:ext>
             </a:extLst>
           </p:cNvPr>
@@ -1792,7 +1792,7 @@
           <p:cNvPr id="7" name="日期占位符 6">
             <a:extLst>
               <a:ext uri="{FF2B5EF4-FFF2-40B4-BE49-F238E27FC236}">
-                <a16:creationId xmlns:a16="http://schemas.microsoft.com/office/drawing/2014/main" id="{9046E758-3E5A-168D-4D3F-671CB46772E1}"/>
+                <a16:creationId xmlns:a16="http://schemas.microsoft.com/office/drawing/2014/main" id="{EC99BAED-C3C7-5366-6BFB-72A9648567BC}"/>
               </a:ext>
             </a:extLst>
           </p:cNvPr>
@@ -1808,7 +1808,7 @@
           <a:bodyPr/>
           <a:lstStyle/>
           <a:p>
-            <a:fld id="{FFBEC3C5-4A66-493F-ADB8-62C8FAE88C94}" type="datetimeFigureOut">
+            <a:fld id="{5A2EE7AC-3AFE-4BC2-9A1E-F056A2365EB4}" type="datetimeFigureOut">
               <a:rPr lang="zh-CN" altLang="en-US" smtClean="0"/>
               <a:t>2024/3/10</a:t>
             </a:fld>
@@ -1821,7 +1821,7 @@
           <p:cNvPr id="8" name="页脚占位符 7">
             <a:extLst>
               <a:ext uri="{FF2B5EF4-FFF2-40B4-BE49-F238E27FC236}">
-                <a16:creationId xmlns:a16="http://schemas.microsoft.com/office/drawing/2014/main" id="{913E7737-3A53-C152-9D4F-D3391B0CB370}"/>
+                <a16:creationId xmlns:a16="http://schemas.microsoft.com/office/drawing/2014/main" id="{87DF8BB0-0E50-8F68-69B9-7D2DA50E4EB8}"/>
               </a:ext>
             </a:extLst>
           </p:cNvPr>
@@ -1846,7 +1846,7 @@
           <p:cNvPr id="9" name="灯片编号占位符 8">
             <a:extLst>
               <a:ext uri="{FF2B5EF4-FFF2-40B4-BE49-F238E27FC236}">
-                <a16:creationId xmlns:a16="http://schemas.microsoft.com/office/drawing/2014/main" id="{AAE71E6C-1B1A-6E6B-0A2F-85B865EA0453}"/>
+                <a16:creationId xmlns:a16="http://schemas.microsoft.com/office/drawing/2014/main" id="{E1B303CF-2432-18A3-9C42-F0F2435BCBC7}"/>
               </a:ext>
             </a:extLst>
           </p:cNvPr>
@@ -1862,7 +1862,7 @@
           <a:bodyPr/>
           <a:lstStyle/>
           <a:p>
-            <a:fld id="{A5C60D80-8B4D-4070-8517-3D78E0219B5D}" type="slidenum">
+            <a:fld id="{6AB0C762-F05A-4E0D-9877-F906052E961D}" type="slidenum">
               <a:rPr lang="zh-CN" altLang="en-US" smtClean="0"/>
               <a:t>‹#›</a:t>
             </a:fld>
@@ -1873,7 +1873,7 @@
     </p:spTree>
     <p:extLst>
       <p:ext uri="{BB962C8B-B14F-4D97-AF65-F5344CB8AC3E}">
-        <p14:creationId xmlns:p14="http://schemas.microsoft.com/office/powerpoint/2010/main" val="776226366"/>
+        <p14:creationId xmlns:p14="http://schemas.microsoft.com/office/powerpoint/2010/main" val="4254274037"/>
       </p:ext>
     </p:extLst>
   </p:cSld>
@@ -1905,7 +1905,7 @@
           <p:cNvPr id="2" name="标题 1">
             <a:extLst>
               <a:ext uri="{FF2B5EF4-FFF2-40B4-BE49-F238E27FC236}">
-                <a16:creationId xmlns:a16="http://schemas.microsoft.com/office/drawing/2014/main" id="{C773784E-9B73-FABD-CDC8-033C5FA735F0}"/>
+                <a16:creationId xmlns:a16="http://schemas.microsoft.com/office/drawing/2014/main" id="{D227F82C-1E44-B254-891A-4F6B8588CD1D}"/>
               </a:ext>
             </a:extLst>
           </p:cNvPr>
@@ -1933,7 +1933,7 @@
           <p:cNvPr id="3" name="日期占位符 2">
             <a:extLst>
               <a:ext uri="{FF2B5EF4-FFF2-40B4-BE49-F238E27FC236}">
-                <a16:creationId xmlns:a16="http://schemas.microsoft.com/office/drawing/2014/main" id="{312B5032-066D-38D6-CD46-7A555AD4B562}"/>
+                <a16:creationId xmlns:a16="http://schemas.microsoft.com/office/drawing/2014/main" id="{ECA09DFC-58F1-425D-01E8-E4D7942C62F4}"/>
               </a:ext>
             </a:extLst>
           </p:cNvPr>
@@ -1949,7 +1949,7 @@
           <a:bodyPr/>
           <a:lstStyle/>
           <a:p>
-            <a:fld id="{FFBEC3C5-4A66-493F-ADB8-62C8FAE88C94}" type="datetimeFigureOut">
+            <a:fld id="{5A2EE7AC-3AFE-4BC2-9A1E-F056A2365EB4}" type="datetimeFigureOut">
               <a:rPr lang="zh-CN" altLang="en-US" smtClean="0"/>
               <a:t>2024/3/10</a:t>
             </a:fld>
@@ -1962,7 +1962,7 @@
           <p:cNvPr id="4" name="页脚占位符 3">
             <a:extLst>
               <a:ext uri="{FF2B5EF4-FFF2-40B4-BE49-F238E27FC236}">
-                <a16:creationId xmlns:a16="http://schemas.microsoft.com/office/drawing/2014/main" id="{4152370E-344A-B8FF-FF26-AD236BE8C9F7}"/>
+                <a16:creationId xmlns:a16="http://schemas.microsoft.com/office/drawing/2014/main" id="{2D124868-5A79-1AC8-1E69-66801CA02CC7}"/>
               </a:ext>
             </a:extLst>
           </p:cNvPr>
@@ -1987,7 +1987,7 @@
           <p:cNvPr id="5" name="灯片编号占位符 4">
             <a:extLst>
               <a:ext uri="{FF2B5EF4-FFF2-40B4-BE49-F238E27FC236}">
-                <a16:creationId xmlns:a16="http://schemas.microsoft.com/office/drawing/2014/main" id="{FB0C6F45-6C3C-111C-F12A-F47573A0F850}"/>
+                <a16:creationId xmlns:a16="http://schemas.microsoft.com/office/drawing/2014/main" id="{4CE6DE10-290F-3456-FE75-69AE28916246}"/>
               </a:ext>
             </a:extLst>
           </p:cNvPr>
@@ -2003,7 +2003,7 @@
           <a:bodyPr/>
           <a:lstStyle/>
           <a:p>
-            <a:fld id="{A5C60D80-8B4D-4070-8517-3D78E0219B5D}" type="slidenum">
+            <a:fld id="{6AB0C762-F05A-4E0D-9877-F906052E961D}" type="slidenum">
               <a:rPr lang="zh-CN" altLang="en-US" smtClean="0"/>
               <a:t>‹#›</a:t>
             </a:fld>
@@ -2014,7 +2014,7 @@
     </p:spTree>
     <p:extLst>
       <p:ext uri="{BB962C8B-B14F-4D97-AF65-F5344CB8AC3E}">
-        <p14:creationId xmlns:p14="http://schemas.microsoft.com/office/powerpoint/2010/main" val="4043645176"/>
+        <p14:creationId xmlns:p14="http://schemas.microsoft.com/office/powerpoint/2010/main" val="1434199980"/>
       </p:ext>
     </p:extLst>
   </p:cSld>
@@ -2046,7 +2046,7 @@
           <p:cNvPr id="2" name="日期占位符 1">
             <a:extLst>
               <a:ext uri="{FF2B5EF4-FFF2-40B4-BE49-F238E27FC236}">
-                <a16:creationId xmlns:a16="http://schemas.microsoft.com/office/drawing/2014/main" id="{FCC5AED9-0C04-75BF-B036-468AEF67EB32}"/>
+                <a16:creationId xmlns:a16="http://schemas.microsoft.com/office/drawing/2014/main" id="{3ECD5824-6A81-743D-F407-09A6189F5E3D}"/>
               </a:ext>
             </a:extLst>
           </p:cNvPr>
@@ -2062,7 +2062,7 @@
           <a:bodyPr/>
           <a:lstStyle/>
           <a:p>
-            <a:fld id="{FFBEC3C5-4A66-493F-ADB8-62C8FAE88C94}" type="datetimeFigureOut">
+            <a:fld id="{5A2EE7AC-3AFE-4BC2-9A1E-F056A2365EB4}" type="datetimeFigureOut">
               <a:rPr lang="zh-CN" altLang="en-US" smtClean="0"/>
               <a:t>2024/3/10</a:t>
             </a:fld>
@@ -2075,7 +2075,7 @@
           <p:cNvPr id="3" name="页脚占位符 2">
             <a:extLst>
               <a:ext uri="{FF2B5EF4-FFF2-40B4-BE49-F238E27FC236}">
-                <a16:creationId xmlns:a16="http://schemas.microsoft.com/office/drawing/2014/main" id="{E76C5340-3A02-7E1C-8807-29C50B9F6E2E}"/>
+                <a16:creationId xmlns:a16="http://schemas.microsoft.com/office/drawing/2014/main" id="{80CE7D1E-C6D0-D45D-73A9-B6D3D122C899}"/>
               </a:ext>
             </a:extLst>
           </p:cNvPr>
@@ -2100,7 +2100,7 @@
           <p:cNvPr id="4" name="灯片编号占位符 3">
             <a:extLst>
               <a:ext uri="{FF2B5EF4-FFF2-40B4-BE49-F238E27FC236}">
-                <a16:creationId xmlns:a16="http://schemas.microsoft.com/office/drawing/2014/main" id="{27A0407E-604F-647D-0D0C-E78DCD507D54}"/>
+                <a16:creationId xmlns:a16="http://schemas.microsoft.com/office/drawing/2014/main" id="{E588F074-A734-39E6-268F-24F9697BB4EC}"/>
               </a:ext>
             </a:extLst>
           </p:cNvPr>
@@ -2116,7 +2116,7 @@
           <a:bodyPr/>
           <a:lstStyle/>
           <a:p>
-            <a:fld id="{A5C60D80-8B4D-4070-8517-3D78E0219B5D}" type="slidenum">
+            <a:fld id="{6AB0C762-F05A-4E0D-9877-F906052E961D}" type="slidenum">
               <a:rPr lang="zh-CN" altLang="en-US" smtClean="0"/>
               <a:t>‹#›</a:t>
             </a:fld>
@@ -2127,7 +2127,7 @@
     </p:spTree>
     <p:extLst>
       <p:ext uri="{BB962C8B-B14F-4D97-AF65-F5344CB8AC3E}">
-        <p14:creationId xmlns:p14="http://schemas.microsoft.com/office/powerpoint/2010/main" val="4128726661"/>
+        <p14:creationId xmlns:p14="http://schemas.microsoft.com/office/powerpoint/2010/main" val="2225904274"/>
       </p:ext>
     </p:extLst>
   </p:cSld>
@@ -2159,7 +2159,7 @@
           <p:cNvPr id="2" name="标题 1">
             <a:extLst>
               <a:ext uri="{FF2B5EF4-FFF2-40B4-BE49-F238E27FC236}">
-                <a16:creationId xmlns:a16="http://schemas.microsoft.com/office/drawing/2014/main" id="{4B3CA9D1-3BE0-A8AC-164C-8D84057CD111}"/>
+                <a16:creationId xmlns:a16="http://schemas.microsoft.com/office/drawing/2014/main" id="{76F6D219-9E57-6306-2FC9-8CF2C0B4BE31}"/>
               </a:ext>
             </a:extLst>
           </p:cNvPr>
@@ -2196,7 +2196,7 @@
           <p:cNvPr id="3" name="内容占位符 2">
             <a:extLst>
               <a:ext uri="{FF2B5EF4-FFF2-40B4-BE49-F238E27FC236}">
-                <a16:creationId xmlns:a16="http://schemas.microsoft.com/office/drawing/2014/main" id="{67A89A1C-D864-210C-9356-C305CF609498}"/>
+                <a16:creationId xmlns:a16="http://schemas.microsoft.com/office/drawing/2014/main" id="{4B14A17D-590E-9014-DF55-DA12F3D022C0}"/>
               </a:ext>
             </a:extLst>
           </p:cNvPr>
@@ -2286,7 +2286,7 @@
           <p:cNvPr id="4" name="文本占位符 3">
             <a:extLst>
               <a:ext uri="{FF2B5EF4-FFF2-40B4-BE49-F238E27FC236}">
-                <a16:creationId xmlns:a16="http://schemas.microsoft.com/office/drawing/2014/main" id="{16C9B89D-6849-9C7C-6ECD-E55FB564BB65}"/>
+                <a16:creationId xmlns:a16="http://schemas.microsoft.com/office/drawing/2014/main" id="{3AE6B609-A40A-33BD-FDDA-73DFF69CADEA}"/>
               </a:ext>
             </a:extLst>
           </p:cNvPr>
@@ -2357,7 +2357,7 @@
           <p:cNvPr id="5" name="日期占位符 4">
             <a:extLst>
               <a:ext uri="{FF2B5EF4-FFF2-40B4-BE49-F238E27FC236}">
-                <a16:creationId xmlns:a16="http://schemas.microsoft.com/office/drawing/2014/main" id="{E2403088-B809-A6DE-76AE-22CF3860419C}"/>
+                <a16:creationId xmlns:a16="http://schemas.microsoft.com/office/drawing/2014/main" id="{6F00C24A-F787-C411-DD6A-3A5D165AACBB}"/>
               </a:ext>
             </a:extLst>
           </p:cNvPr>
@@ -2373,7 +2373,7 @@
           <a:bodyPr/>
           <a:lstStyle/>
           <a:p>
-            <a:fld id="{FFBEC3C5-4A66-493F-ADB8-62C8FAE88C94}" type="datetimeFigureOut">
+            <a:fld id="{5A2EE7AC-3AFE-4BC2-9A1E-F056A2365EB4}" type="datetimeFigureOut">
               <a:rPr lang="zh-CN" altLang="en-US" smtClean="0"/>
               <a:t>2024/3/10</a:t>
             </a:fld>
@@ -2386,7 +2386,7 @@
           <p:cNvPr id="6" name="页脚占位符 5">
             <a:extLst>
               <a:ext uri="{FF2B5EF4-FFF2-40B4-BE49-F238E27FC236}">
-                <a16:creationId xmlns:a16="http://schemas.microsoft.com/office/drawing/2014/main" id="{18668A35-CB04-ABAA-CDF6-1D4F42C8B9F0}"/>
+                <a16:creationId xmlns:a16="http://schemas.microsoft.com/office/drawing/2014/main" id="{12C5A5D3-3107-CB52-B6C8-9094176D8709}"/>
               </a:ext>
             </a:extLst>
           </p:cNvPr>
@@ -2411,7 +2411,7 @@
           <p:cNvPr id="7" name="灯片编号占位符 6">
             <a:extLst>
               <a:ext uri="{FF2B5EF4-FFF2-40B4-BE49-F238E27FC236}">
-                <a16:creationId xmlns:a16="http://schemas.microsoft.com/office/drawing/2014/main" id="{857E0B70-44CD-2C79-EF95-BCA99FE6966F}"/>
+                <a16:creationId xmlns:a16="http://schemas.microsoft.com/office/drawing/2014/main" id="{E66D8A91-11D0-13C9-6251-7E0D26731BAC}"/>
               </a:ext>
             </a:extLst>
           </p:cNvPr>
@@ -2427,7 +2427,7 @@
           <a:bodyPr/>
           <a:lstStyle/>
           <a:p>
-            <a:fld id="{A5C60D80-8B4D-4070-8517-3D78E0219B5D}" type="slidenum">
+            <a:fld id="{6AB0C762-F05A-4E0D-9877-F906052E961D}" type="slidenum">
               <a:rPr lang="zh-CN" altLang="en-US" smtClean="0"/>
               <a:t>‹#›</a:t>
             </a:fld>
@@ -2438,7 +2438,7 @@
     </p:spTree>
     <p:extLst>
       <p:ext uri="{BB962C8B-B14F-4D97-AF65-F5344CB8AC3E}">
-        <p14:creationId xmlns:p14="http://schemas.microsoft.com/office/powerpoint/2010/main" val="1660431111"/>
+        <p14:creationId xmlns:p14="http://schemas.microsoft.com/office/powerpoint/2010/main" val="3166395706"/>
       </p:ext>
     </p:extLst>
   </p:cSld>
@@ -2470,7 +2470,7 @@
           <p:cNvPr id="2" name="标题 1">
             <a:extLst>
               <a:ext uri="{FF2B5EF4-FFF2-40B4-BE49-F238E27FC236}">
-                <a16:creationId xmlns:a16="http://schemas.microsoft.com/office/drawing/2014/main" id="{8F1DA65F-8B2E-466D-3E4A-D491A33A0D13}"/>
+                <a16:creationId xmlns:a16="http://schemas.microsoft.com/office/drawing/2014/main" id="{6BA0A188-59E3-A2AE-E150-5E739D54DFB0}"/>
               </a:ext>
             </a:extLst>
           </p:cNvPr>
@@ -2507,7 +2507,7 @@
           <p:cNvPr id="3" name="图片占位符 2">
             <a:extLst>
               <a:ext uri="{FF2B5EF4-FFF2-40B4-BE49-F238E27FC236}">
-                <a16:creationId xmlns:a16="http://schemas.microsoft.com/office/drawing/2014/main" id="{379349F2-27EF-EBAF-C6D4-C489048EBA1F}"/>
+                <a16:creationId xmlns:a16="http://schemas.microsoft.com/office/drawing/2014/main" id="{B01A78EC-055D-133B-C643-9AD4ED3F9A55}"/>
               </a:ext>
             </a:extLst>
           </p:cNvPr>
@@ -2574,7 +2574,7 @@
           <p:cNvPr id="4" name="文本占位符 3">
             <a:extLst>
               <a:ext uri="{FF2B5EF4-FFF2-40B4-BE49-F238E27FC236}">
-                <a16:creationId xmlns:a16="http://schemas.microsoft.com/office/drawing/2014/main" id="{E8F7D769-F5D4-C79E-E492-6EA9D0474E10}"/>
+                <a16:creationId xmlns:a16="http://schemas.microsoft.com/office/drawing/2014/main" id="{87222E32-8158-CFE5-5D85-D2FE8EE1C300}"/>
               </a:ext>
             </a:extLst>
           </p:cNvPr>
@@ -2645,7 +2645,7 @@
           <p:cNvPr id="5" name="日期占位符 4">
             <a:extLst>
               <a:ext uri="{FF2B5EF4-FFF2-40B4-BE49-F238E27FC236}">
-                <a16:creationId xmlns:a16="http://schemas.microsoft.com/office/drawing/2014/main" id="{D87BD873-33E7-1A84-DA2B-7608772D1791}"/>
+                <a16:creationId xmlns:a16="http://schemas.microsoft.com/office/drawing/2014/main" id="{157B773A-9C7F-2E09-DA82-4630E5657745}"/>
               </a:ext>
             </a:extLst>
           </p:cNvPr>
@@ -2661,7 +2661,7 @@
           <a:bodyPr/>
           <a:lstStyle/>
           <a:p>
-            <a:fld id="{FFBEC3C5-4A66-493F-ADB8-62C8FAE88C94}" type="datetimeFigureOut">
+            <a:fld id="{5A2EE7AC-3AFE-4BC2-9A1E-F056A2365EB4}" type="datetimeFigureOut">
               <a:rPr lang="zh-CN" altLang="en-US" smtClean="0"/>
               <a:t>2024/3/10</a:t>
             </a:fld>
@@ -2674,7 +2674,7 @@
           <p:cNvPr id="6" name="页脚占位符 5">
             <a:extLst>
               <a:ext uri="{FF2B5EF4-FFF2-40B4-BE49-F238E27FC236}">
-                <a16:creationId xmlns:a16="http://schemas.microsoft.com/office/drawing/2014/main" id="{680208B8-04F0-E4BD-15C9-E86687BD00E9}"/>
+                <a16:creationId xmlns:a16="http://schemas.microsoft.com/office/drawing/2014/main" id="{3B893844-0DC0-A60A-73DB-9B83332CD4AD}"/>
               </a:ext>
             </a:extLst>
           </p:cNvPr>
@@ -2699,7 +2699,7 @@
           <p:cNvPr id="7" name="灯片编号占位符 6">
             <a:extLst>
               <a:ext uri="{FF2B5EF4-FFF2-40B4-BE49-F238E27FC236}">
-                <a16:creationId xmlns:a16="http://schemas.microsoft.com/office/drawing/2014/main" id="{CB3DBC6B-EBB2-F85D-FE1B-65241BDEA2B0}"/>
+                <a16:creationId xmlns:a16="http://schemas.microsoft.com/office/drawing/2014/main" id="{2E75999D-65C1-FBAB-B461-CAAF617578D7}"/>
               </a:ext>
             </a:extLst>
           </p:cNvPr>
@@ -2715,7 +2715,7 @@
           <a:bodyPr/>
           <a:lstStyle/>
           <a:p>
-            <a:fld id="{A5C60D80-8B4D-4070-8517-3D78E0219B5D}" type="slidenum">
+            <a:fld id="{6AB0C762-F05A-4E0D-9877-F906052E961D}" type="slidenum">
               <a:rPr lang="zh-CN" altLang="en-US" smtClean="0"/>
               <a:t>‹#›</a:t>
             </a:fld>
@@ -2726,7 +2726,7 @@
     </p:spTree>
     <p:extLst>
       <p:ext uri="{BB962C8B-B14F-4D97-AF65-F5344CB8AC3E}">
-        <p14:creationId xmlns:p14="http://schemas.microsoft.com/office/powerpoint/2010/main" val="904834019"/>
+        <p14:creationId xmlns:p14="http://schemas.microsoft.com/office/powerpoint/2010/main" val="1844659705"/>
       </p:ext>
     </p:extLst>
   </p:cSld>
@@ -2763,7 +2763,7 @@
           <p:cNvPr id="2" name="标题占位符 1">
             <a:extLst>
               <a:ext uri="{FF2B5EF4-FFF2-40B4-BE49-F238E27FC236}">
-                <a16:creationId xmlns:a16="http://schemas.microsoft.com/office/drawing/2014/main" id="{75B16E59-6B2D-E89D-7CB2-C5977B87E9CA}"/>
+                <a16:creationId xmlns:a16="http://schemas.microsoft.com/office/drawing/2014/main" id="{4B7F71EB-901D-1E92-ED54-AF3EFD29F2A5}"/>
               </a:ext>
             </a:extLst>
           </p:cNvPr>
@@ -2801,7 +2801,7 @@
           <p:cNvPr id="3" name="文本占位符 2">
             <a:extLst>
               <a:ext uri="{FF2B5EF4-FFF2-40B4-BE49-F238E27FC236}">
-                <a16:creationId xmlns:a16="http://schemas.microsoft.com/office/drawing/2014/main" id="{22CBE2C2-8245-EF1A-511A-6D255EDBC8E1}"/>
+                <a16:creationId xmlns:a16="http://schemas.microsoft.com/office/drawing/2014/main" id="{B7F44D9F-A830-F2DC-F99B-38A30230DF51}"/>
               </a:ext>
             </a:extLst>
           </p:cNvPr>
@@ -2868,7 +2868,7 @@
           <p:cNvPr id="4" name="日期占位符 3">
             <a:extLst>
               <a:ext uri="{FF2B5EF4-FFF2-40B4-BE49-F238E27FC236}">
-                <a16:creationId xmlns:a16="http://schemas.microsoft.com/office/drawing/2014/main" id="{6571D7C9-1B3E-9D41-4127-DDF691946D77}"/>
+                <a16:creationId xmlns:a16="http://schemas.microsoft.com/office/drawing/2014/main" id="{3B78082F-FAD7-7B95-34D6-236B910F57CE}"/>
               </a:ext>
             </a:extLst>
           </p:cNvPr>
@@ -2902,7 +2902,7 @@
             </a:lvl1pPr>
           </a:lstStyle>
           <a:p>
-            <a:fld id="{FFBEC3C5-4A66-493F-ADB8-62C8FAE88C94}" type="datetimeFigureOut">
+            <a:fld id="{5A2EE7AC-3AFE-4BC2-9A1E-F056A2365EB4}" type="datetimeFigureOut">
               <a:rPr lang="zh-CN" altLang="en-US" smtClean="0"/>
               <a:t>2024/3/10</a:t>
             </a:fld>
@@ -2915,7 +2915,7 @@
           <p:cNvPr id="5" name="页脚占位符 4">
             <a:extLst>
               <a:ext uri="{FF2B5EF4-FFF2-40B4-BE49-F238E27FC236}">
-                <a16:creationId xmlns:a16="http://schemas.microsoft.com/office/drawing/2014/main" id="{F38CACFC-D34A-6242-C2AD-30AB881FDC7F}"/>
+                <a16:creationId xmlns:a16="http://schemas.microsoft.com/office/drawing/2014/main" id="{332401D3-D687-BFC6-3F8C-18A726F52231}"/>
               </a:ext>
             </a:extLst>
           </p:cNvPr>
@@ -2958,7 +2958,7 @@
           <p:cNvPr id="6" name="灯片编号占位符 5">
             <a:extLst>
               <a:ext uri="{FF2B5EF4-FFF2-40B4-BE49-F238E27FC236}">
-                <a16:creationId xmlns:a16="http://schemas.microsoft.com/office/drawing/2014/main" id="{057BAA61-3C08-C71A-E48F-5042CAD7748A}"/>
+                <a16:creationId xmlns:a16="http://schemas.microsoft.com/office/drawing/2014/main" id="{4F8570CB-A8D2-AF03-DEFB-629BA7B78C69}"/>
               </a:ext>
             </a:extLst>
           </p:cNvPr>
@@ -2992,7 +2992,7 @@
             </a:lvl1pPr>
           </a:lstStyle>
           <a:p>
-            <a:fld id="{A5C60D80-8B4D-4070-8517-3D78E0219B5D}" type="slidenum">
+            <a:fld id="{6AB0C762-F05A-4E0D-9877-F906052E961D}" type="slidenum">
               <a:rPr lang="zh-CN" altLang="en-US" smtClean="0"/>
               <a:t>‹#›</a:t>
             </a:fld>
@@ -3003,7 +3003,7 @@
     </p:spTree>
     <p:extLst>
       <p:ext uri="{BB962C8B-B14F-4D97-AF65-F5344CB8AC3E}">
-        <p14:creationId xmlns:p14="http://schemas.microsoft.com/office/powerpoint/2010/main" val="3318357504"/>
+        <p14:creationId xmlns:p14="http://schemas.microsoft.com/office/powerpoint/2010/main" val="3548117487"/>
       </p:ext>
     </p:extLst>
   </p:cSld>
@@ -3323,7 +3323,7 @@
       </p:grpSpPr>
       <p:pic>
         <p:nvPicPr>
-          <p:cNvPr id="777218" name="Picture 2" descr="758"/>
+          <p:cNvPr id="778242" name="Picture 2" descr="759"/>
           <p:cNvPicPr>
             <a:picLocks noChangeAspect="1" noChangeArrowheads="1"/>
           </p:cNvPicPr>
